--- a/tutorial_material/TS20180913/TS20180913.pptx
+++ b/tutorial_material/TS20180913/TS20180913.pptx
@@ -112,6 +112,11 @@
       </a:defRPr>
     </a:lvl9pPr>
   </p:defaultTextStyle>
+  <p:extLst>
+    <p:ext uri="{EFAFB233-063F-42B5-8137-9DF3F51BA10A}">
+      <p15:sldGuideLst xmlns:p15="http://schemas.microsoft.com/office/powerpoint/2012/main"/>
+    </p:ext>
+  </p:extLst>
 </p:presentation>
 </file>
 
@@ -3490,7 +3495,7 @@
           <a:p>
             <a:r>
               <a:rPr lang="en-US" dirty="0"/>
-              <a:t>Some are optional. If you submit, maybe some extra homework grade.</a:t>
+              <a:t>Some are optional. If you submit, maybe earn some extra homework grade.</a:t>
             </a:r>
           </a:p>
           <a:p>
@@ -3503,6 +3508,23 @@
             <a:r>
               <a:rPr lang="en-US" dirty="0"/>
               <a:t>Collect homework sooner after the due time outside the physics department office</a:t>
+            </a:r>
+          </a:p>
+          <a:p>
+            <a:endParaRPr lang="en-US" dirty="0"/>
+          </a:p>
+          <a:p>
+            <a:r>
+              <a:rPr lang="en-US" dirty="0"/>
+              <a:t>Detail see	</a:t>
+            </a:r>
+            <a:r>
+              <a:rPr lang="en-US" i="1" dirty="0"/>
+              <a:t>homework/README.md</a:t>
+            </a:r>
+            <a:r>
+              <a:rPr lang="en-US" dirty="0"/>
+              <a:t> on the course website</a:t>
             </a:r>
           </a:p>
         </p:txBody>
@@ -3588,7 +3610,11 @@
           <a:p>
             <a:r>
               <a:rPr lang="en-US" dirty="0"/>
-              <a:t>Detail see course website</a:t>
+              <a:t>Detail see course website </a:t>
+            </a:r>
+            <a:r>
+              <a:rPr lang="en-US" i="1" dirty="0"/>
+              <a:t>instruction/submit_and_collect_homework.md</a:t>
             </a:r>
           </a:p>
           <a:p>
@@ -3706,16 +3732,40 @@
           <a:p>
             <a:r>
               <a:rPr lang="en-US" dirty="0"/>
-              <a:t>See </a:t>
-            </a:r>
-            <a:r>
-              <a:rPr lang="en-US" dirty="0" err="1"/>
+              <a:t>See</a:t>
+            </a:r>
+          </a:p>
+          <a:p>
+            <a:pPr lvl="1"/>
+            <a:r>
+              <a:rPr lang="en-US" i="1" dirty="0" err="1"/>
+              <a:t>tutorial_material</a:t>
+            </a:r>
+            <a:r>
+              <a:rPr lang="en-US" i="1" dirty="0"/>
+              <a:t>/TS20180913/ </a:t>
+            </a:r>
+            <a:r>
+              <a:rPr lang="en-US" i="1" dirty="0" err="1"/>
               <a:t>is_prime_number.mlx</a:t>
             </a:r>
+            <a:endParaRPr lang="en-US" dirty="0"/>
+          </a:p>
+          <a:p>
+            <a:pPr lvl="1"/>
             <a:r>
               <a:rPr lang="en-US" dirty="0"/>
-              <a:t> or is_prim_number.pdf</a:t>
-            </a:r>
+              <a:t>Or </a:t>
+            </a:r>
+            <a:r>
+              <a:rPr lang="en-US" i="1" dirty="0" err="1"/>
+              <a:t>tutorial_material</a:t>
+            </a:r>
+            <a:r>
+              <a:rPr lang="en-US" i="1" dirty="0"/>
+              <a:t>/TS20180913/is_prime_number.pdf</a:t>
+            </a:r>
+            <a:endParaRPr lang="en-US" dirty="0"/>
           </a:p>
         </p:txBody>
       </p:sp>
@@ -3800,16 +3850,43 @@
           <a:p>
             <a:r>
               <a:rPr lang="en-US" dirty="0"/>
-              <a:t>See </a:t>
-            </a:r>
-            <a:r>
-              <a:rPr lang="en-US" dirty="0" err="1"/>
+              <a:t>See</a:t>
+            </a:r>
+          </a:p>
+          <a:p>
+            <a:pPr lvl="1"/>
+            <a:r>
+              <a:rPr lang="en-US" i="1" dirty="0" err="1"/>
+              <a:t>tutorial_material</a:t>
+            </a:r>
+            <a:r>
+              <a:rPr lang="en-US" i="1" dirty="0"/>
+              <a:t>/TS20180913/ </a:t>
+            </a:r>
+            <a:r>
+              <a:rPr lang="en-US" i="1" dirty="0" err="1"/>
               <a:t>calculate_pi.mlx</a:t>
             </a:r>
             <a:r>
               <a:rPr lang="en-US" dirty="0"/>
-              <a:t> or calculate_pi.pdf</a:t>
-            </a:r>
+              <a:t> </a:t>
+            </a:r>
+          </a:p>
+          <a:p>
+            <a:pPr lvl="1"/>
+            <a:r>
+              <a:rPr lang="en-US" i="1" dirty="0"/>
+              <a:t>Or </a:t>
+            </a:r>
+            <a:r>
+              <a:rPr lang="en-US" i="1" dirty="0" err="1"/>
+              <a:t>tutorial_material</a:t>
+            </a:r>
+            <a:r>
+              <a:rPr lang="en-US" i="1" dirty="0"/>
+              <a:t>/TS20180913/ calculate_pi.pdf</a:t>
+            </a:r>
+            <a:endParaRPr lang="en-US" dirty="0"/>
           </a:p>
         </p:txBody>
       </p:sp>
@@ -3897,10 +3974,18 @@
               <a:t>See </a:t>
             </a:r>
             <a:r>
-              <a:rPr lang="en-US" dirty="0" err="1"/>
+              <a:rPr lang="en-US" i="1" dirty="0" err="1"/>
+              <a:t>tutorial_material</a:t>
+            </a:r>
+            <a:r>
+              <a:rPr lang="en-US" i="1" dirty="0"/>
+              <a:t>/TS20180913/</a:t>
+            </a:r>
+            <a:r>
+              <a:rPr lang="en-US" i="1" dirty="0" err="1"/>
               <a:t>demo_buffon_needle.m</a:t>
             </a:r>
-            <a:endParaRPr lang="en-US" dirty="0"/>
+            <a:endParaRPr lang="en-US" i="1" dirty="0"/>
           </a:p>
         </p:txBody>
       </p:sp>
@@ -3962,8 +4047,8 @@
           </a:p>
         </p:txBody>
       </p:sp>
-      <mc:AlternateContent xmlns:mc="http://schemas.openxmlformats.org/markup-compatibility/2006">
-        <mc:Choice xmlns:a14="http://schemas.microsoft.com/office/drawing/2010/main" Requires="a14">
+      <mc:AlternateContent xmlns:mc="http://schemas.openxmlformats.org/markup-compatibility/2006" xmlns:a14="http://schemas.microsoft.com/office/drawing/2010/main">
+        <mc:Choice Requires="a14">
           <p:sp>
             <p:nvSpPr>
               <p:cNvPr id="3" name="Content Placeholder 2">
@@ -4180,7 +4265,7 @@
             </p:txBody>
           </p:sp>
         </mc:Choice>
-        <mc:Fallback>
+        <mc:Fallback xmlns="">
           <p:sp>
             <p:nvSpPr>
               <p:cNvPr id="3" name="Content Placeholder 2">
@@ -4301,7 +4386,11 @@
           <a:p>
             <a:r>
               <a:rPr lang="en-US" dirty="0"/>
-              <a:t>See homework_list.md</a:t>
+              <a:t>See </a:t>
+            </a:r>
+            <a:r>
+              <a:rPr lang="en-US" i="1" dirty="0"/>
+              <a:t>homework/homework_list.md</a:t>
             </a:r>
           </a:p>
         </p:txBody>
